--- a/Powerpoint1.pptx
+++ b/Powerpoint1.pptx
@@ -120,7 +120,7 @@
 <file path=ppt/revisionInfo.xml><?xml version="1.0" encoding="utf-8"?>
 <p1510:revInfo xmlns:a="http://schemas.openxmlformats.org/drawingml/2006/main" xmlns:r="http://schemas.openxmlformats.org/officeDocument/2006/relationships" xmlns:p1510="http://schemas.microsoft.com/office/powerpoint/2015/10/main">
   <p1510:revLst>
-    <p1510:client id="{A0A3C86E-DF27-4254-88F3-1D5F05F7997F}" v="8" dt="2021-03-11T11:44:51.530"/>
+    <p1510:client id="{A0A3C86E-DF27-4254-88F3-1D5F05F7997F}" v="9" dt="2021-03-11T12:08:15.576"/>
   </p1510:revLst>
 </p1510:revInfo>
 </file>
@@ -130,24 +130,159 @@
   <pc:docChgLst>
     <pc:chgData name="Ramon Burgstad" userId="5061cdd7803951a7" providerId="LiveId" clId="{A0A3C86E-DF27-4254-88F3-1D5F05F7997F}"/>
     <pc:docChg chg="undo redo custSel mod delSld modSld">
-      <pc:chgData name="Ramon Burgstad" userId="5061cdd7803951a7" providerId="LiveId" clId="{A0A3C86E-DF27-4254-88F3-1D5F05F7997F}" dt="2021-03-11T11:48:39.102" v="848" actId="20577"/>
+      <pc:chgData name="Ramon Burgstad" userId="5061cdd7803951a7" providerId="LiveId" clId="{A0A3C86E-DF27-4254-88F3-1D5F05F7997F}" dt="2021-03-11T12:08:33.693" v="851" actId="26606"/>
       <pc:docMkLst>
         <pc:docMk/>
       </pc:docMkLst>
-      <pc:sldChg chg="modSp mod">
-        <pc:chgData name="Ramon Burgstad" userId="5061cdd7803951a7" providerId="LiveId" clId="{A0A3C86E-DF27-4254-88F3-1D5F05F7997F}" dt="2021-03-11T11:18:52.306" v="165"/>
+      <pc:sldChg chg="addSp delSp modSp mod">
+        <pc:chgData name="Ramon Burgstad" userId="5061cdd7803951a7" providerId="LiveId" clId="{A0A3C86E-DF27-4254-88F3-1D5F05F7997F}" dt="2021-03-11T12:08:33.693" v="851" actId="26606"/>
+        <pc:sldMkLst>
+          <pc:docMk/>
+          <pc:sldMk cId="2280707965" sldId="256"/>
+        </pc:sldMkLst>
+        <pc:spChg chg="mod">
+          <ac:chgData name="Ramon Burgstad" userId="5061cdd7803951a7" providerId="LiveId" clId="{A0A3C86E-DF27-4254-88F3-1D5F05F7997F}" dt="2021-03-11T12:08:33.693" v="851" actId="26606"/>
+          <ac:spMkLst>
+            <pc:docMk/>
+            <pc:sldMk cId="2280707965" sldId="256"/>
+            <ac:spMk id="2" creationId="{82F46373-ED09-4AC9-ADDC-298FD996CA91}"/>
+          </ac:spMkLst>
+        </pc:spChg>
+        <pc:spChg chg="mod">
+          <ac:chgData name="Ramon Burgstad" userId="5061cdd7803951a7" providerId="LiveId" clId="{A0A3C86E-DF27-4254-88F3-1D5F05F7997F}" dt="2021-03-11T12:08:33.693" v="851" actId="26606"/>
+          <ac:spMkLst>
+            <pc:docMk/>
+            <pc:sldMk cId="2280707965" sldId="256"/>
+            <ac:spMk id="3" creationId="{CCBAAD34-DCAF-4134-A4DE-7721BD58B61B}"/>
+          </ac:spMkLst>
+        </pc:spChg>
+        <pc:spChg chg="del">
+          <ac:chgData name="Ramon Burgstad" userId="5061cdd7803951a7" providerId="LiveId" clId="{A0A3C86E-DF27-4254-88F3-1D5F05F7997F}" dt="2021-03-11T12:08:33.693" v="851" actId="26606"/>
+          <ac:spMkLst>
+            <pc:docMk/>
+            <pc:sldMk cId="2280707965" sldId="256"/>
+            <ac:spMk id="5" creationId="{5ABA7F3F-D56F-4C06-84AC-03FC83B0642E}"/>
+          </ac:spMkLst>
+        </pc:spChg>
+        <pc:spChg chg="del">
+          <ac:chgData name="Ramon Burgstad" userId="5061cdd7803951a7" providerId="LiveId" clId="{A0A3C86E-DF27-4254-88F3-1D5F05F7997F}" dt="2021-03-11T12:08:33.693" v="851" actId="26606"/>
+          <ac:spMkLst>
+            <pc:docMk/>
+            <pc:sldMk cId="2280707965" sldId="256"/>
+            <ac:spMk id="6" creationId="{0568FE6B-CB7A-42D9-9690-487E3B8F412C}"/>
+          </ac:spMkLst>
+        </pc:spChg>
+        <pc:spChg chg="del">
+          <ac:chgData name="Ramon Burgstad" userId="5061cdd7803951a7" providerId="LiveId" clId="{A0A3C86E-DF27-4254-88F3-1D5F05F7997F}" dt="2021-03-11T12:08:33.693" v="851" actId="26606"/>
+          <ac:spMkLst>
+            <pc:docMk/>
+            <pc:sldMk cId="2280707965" sldId="256"/>
+            <ac:spMk id="7" creationId="{2BCE8A39-72D0-46ED-AB46-91B68881D2C2}"/>
+          </ac:spMkLst>
+        </pc:spChg>
+        <pc:spChg chg="del">
+          <ac:chgData name="Ramon Burgstad" userId="5061cdd7803951a7" providerId="LiveId" clId="{A0A3C86E-DF27-4254-88F3-1D5F05F7997F}" dt="2021-03-11T12:08:33.693" v="851" actId="26606"/>
+          <ac:spMkLst>
+            <pc:docMk/>
+            <pc:sldMk cId="2280707965" sldId="256"/>
+            <ac:spMk id="14" creationId="{970E03B3-76EE-4C15-B250-1173359CDD3D}"/>
+          </ac:spMkLst>
+        </pc:spChg>
+        <pc:spChg chg="add">
+          <ac:chgData name="Ramon Burgstad" userId="5061cdd7803951a7" providerId="LiveId" clId="{A0A3C86E-DF27-4254-88F3-1D5F05F7997F}" dt="2021-03-11T12:08:33.693" v="851" actId="26606"/>
+          <ac:spMkLst>
+            <pc:docMk/>
+            <pc:sldMk cId="2280707965" sldId="256"/>
+            <ac:spMk id="19" creationId="{2A97F59D-628C-4053-B41F-489D0045FD5C}"/>
+          </ac:spMkLst>
+        </pc:spChg>
+        <pc:spChg chg="add">
+          <ac:chgData name="Ramon Burgstad" userId="5061cdd7803951a7" providerId="LiveId" clId="{A0A3C86E-DF27-4254-88F3-1D5F05F7997F}" dt="2021-03-11T12:08:33.693" v="851" actId="26606"/>
+          <ac:spMkLst>
+            <pc:docMk/>
+            <pc:sldMk cId="2280707965" sldId="256"/>
+            <ac:spMk id="21" creationId="{A14902AA-4E7E-4D93-A756-AC2EF9AAF932}"/>
+          </ac:spMkLst>
+        </pc:spChg>
+        <pc:spChg chg="add">
+          <ac:chgData name="Ramon Burgstad" userId="5061cdd7803951a7" providerId="LiveId" clId="{A0A3C86E-DF27-4254-88F3-1D5F05F7997F}" dt="2021-03-11T12:08:33.693" v="851" actId="26606"/>
+          <ac:spMkLst>
+            <pc:docMk/>
+            <pc:sldMk cId="2280707965" sldId="256"/>
+            <ac:spMk id="23" creationId="{AE0AE5A0-0098-4DC4-82DC-CCE4071B655B}"/>
+          </ac:spMkLst>
+        </pc:spChg>
+        <pc:spChg chg="add">
+          <ac:chgData name="Ramon Burgstad" userId="5061cdd7803951a7" providerId="LiveId" clId="{A0A3C86E-DF27-4254-88F3-1D5F05F7997F}" dt="2021-03-11T12:08:33.693" v="851" actId="26606"/>
+          <ac:spMkLst>
+            <pc:docMk/>
+            <pc:sldMk cId="2280707965" sldId="256"/>
+            <ac:spMk id="25" creationId="{B6D28670-6E3D-4F4B-AD22-EFA33BF3CA29}"/>
+          </ac:spMkLst>
+        </pc:spChg>
+      </pc:sldChg>
+      <pc:sldChg chg="addSp delSp modSp mod setBg setClrOvrMap">
+        <pc:chgData name="Ramon Burgstad" userId="5061cdd7803951a7" providerId="LiveId" clId="{A0A3C86E-DF27-4254-88F3-1D5F05F7997F}" dt="2021-03-11T12:08:21.208" v="850" actId="26606"/>
         <pc:sldMkLst>
           <pc:docMk/>
           <pc:sldMk cId="677196817" sldId="257"/>
         </pc:sldMkLst>
         <pc:spChg chg="mod">
-          <ac:chgData name="Ramon Burgstad" userId="5061cdd7803951a7" providerId="LiveId" clId="{A0A3C86E-DF27-4254-88F3-1D5F05F7997F}" dt="2021-03-11T11:18:52.306" v="165"/>
+          <ac:chgData name="Ramon Burgstad" userId="5061cdd7803951a7" providerId="LiveId" clId="{A0A3C86E-DF27-4254-88F3-1D5F05F7997F}" dt="2021-03-11T12:08:21.208" v="850" actId="26606"/>
+          <ac:spMkLst>
+            <pc:docMk/>
+            <pc:sldMk cId="677196817" sldId="257"/>
+            <ac:spMk id="2" creationId="{606CBA3B-D6C1-471C-9E96-5C9D9FC2F2C7}"/>
+          </ac:spMkLst>
+        </pc:spChg>
+        <pc:spChg chg="mod">
+          <ac:chgData name="Ramon Burgstad" userId="5061cdd7803951a7" providerId="LiveId" clId="{A0A3C86E-DF27-4254-88F3-1D5F05F7997F}" dt="2021-03-11T12:08:21.208" v="850" actId="26606"/>
           <ac:spMkLst>
             <pc:docMk/>
             <pc:sldMk cId="677196817" sldId="257"/>
             <ac:spMk id="3" creationId="{134CA8B7-AB92-4B35-99A0-6CB1CD73EB6B}"/>
           </ac:spMkLst>
         </pc:spChg>
+        <pc:spChg chg="del">
+          <ac:chgData name="Ramon Burgstad" userId="5061cdd7803951a7" providerId="LiveId" clId="{A0A3C86E-DF27-4254-88F3-1D5F05F7997F}" dt="2021-03-11T12:08:21.208" v="850" actId="26606"/>
+          <ac:spMkLst>
+            <pc:docMk/>
+            <pc:sldMk cId="677196817" sldId="257"/>
+            <ac:spMk id="8" creationId="{32812C54-7AEF-4ABB-826E-221F51CB0F30}"/>
+          </ac:spMkLst>
+        </pc:spChg>
+        <pc:spChg chg="del">
+          <ac:chgData name="Ramon Burgstad" userId="5061cdd7803951a7" providerId="LiveId" clId="{A0A3C86E-DF27-4254-88F3-1D5F05F7997F}" dt="2021-03-11T12:08:21.208" v="850" actId="26606"/>
+          <ac:spMkLst>
+            <pc:docMk/>
+            <pc:sldMk cId="677196817" sldId="257"/>
+            <ac:spMk id="12" creationId="{72171013-D973-4187-9CF2-EE098EEF8194}"/>
+          </ac:spMkLst>
+        </pc:spChg>
+        <pc:spChg chg="del">
+          <ac:chgData name="Ramon Burgstad" userId="5061cdd7803951a7" providerId="LiveId" clId="{A0A3C86E-DF27-4254-88F3-1D5F05F7997F}" dt="2021-03-11T12:08:21.208" v="850" actId="26606"/>
+          <ac:spMkLst>
+            <pc:docMk/>
+            <pc:sldMk cId="677196817" sldId="257"/>
+            <ac:spMk id="26" creationId="{891F40E4-8A76-44CF-91EC-907367352626}"/>
+          </ac:spMkLst>
+        </pc:spChg>
+        <pc:spChg chg="add">
+          <ac:chgData name="Ramon Burgstad" userId="5061cdd7803951a7" providerId="LiveId" clId="{A0A3C86E-DF27-4254-88F3-1D5F05F7997F}" dt="2021-03-11T12:08:21.208" v="850" actId="26606"/>
+          <ac:spMkLst>
+            <pc:docMk/>
+            <pc:sldMk cId="677196817" sldId="257"/>
+            <ac:spMk id="71" creationId="{F8B556C4-7E49-4C36-845D-FC58F507345E}"/>
+          </ac:spMkLst>
+        </pc:spChg>
+        <pc:picChg chg="add mod ord">
+          <ac:chgData name="Ramon Burgstad" userId="5061cdd7803951a7" providerId="LiveId" clId="{A0A3C86E-DF27-4254-88F3-1D5F05F7997F}" dt="2021-03-11T12:08:21.208" v="850" actId="26606"/>
+          <ac:picMkLst>
+            <pc:docMk/>
+            <pc:sldMk cId="677196817" sldId="257"/>
+            <ac:picMk id="1026" creationId="{8C92FD71-A610-48A5-AF28-FE9CE0B505DD}"/>
+          </ac:picMkLst>
+        </pc:picChg>
       </pc:sldChg>
       <pc:sldChg chg="addSp delSp modSp mod setBg setClrOvrMap">
         <pc:chgData name="Ramon Burgstad" userId="5061cdd7803951a7" providerId="LiveId" clId="{A0A3C86E-DF27-4254-88F3-1D5F05F7997F}" dt="2021-03-11T11:48:39.102" v="848" actId="20577"/>
@@ -3992,12 +4127,12 @@
           <a:chExt cx="0" cy="0"/>
         </a:xfrm>
       </p:grpSpPr>
-      <p:sp useBgFill="1">
-        <p:nvSpPr>
-          <p:cNvPr id="5" name="Rectangle 7">
+      <p:sp>
+        <p:nvSpPr>
+          <p:cNvPr id="19" name="Rectangle 18">
             <a:extLst>
               <a:ext uri="{FF2B5EF4-FFF2-40B4-BE49-F238E27FC236}">
-                <a16:creationId xmlns:a16="http://schemas.microsoft.com/office/drawing/2014/main" id="{5ABA7F3F-D56F-4C06-84AC-03FC83B0642E}"/>
+                <a16:creationId xmlns:a16="http://schemas.microsoft.com/office/drawing/2014/main" id="{2A97F59D-628C-4053-B41F-489D0045FD5C}"/>
               </a:ext>
               <a:ext uri="{C183D7F6-B498-43B3-948B-1728B52AA6E4}">
                 <adec:decorative xmlns:adec="http://schemas.microsoft.com/office/drawing/2017/decorative" val="1"/>
@@ -4015,14 +4150,17 @@
             </p:extLst>
           </p:nvPr>
         </p:nvSpPr>
-        <p:spPr bwMode="grayWhite">
-          <a:xfrm>
-            <a:off x="0" y="0"/>
-            <a:ext cx="12192000" cy="6858000"/>
+        <p:spPr>
+          <a:xfrm>
+            <a:off x="478095" y="376"/>
+            <a:ext cx="228600" cy="6858000"/>
           </a:xfrm>
           <a:prstGeom prst="rect">
             <a:avLst/>
           </a:prstGeom>
+          <a:solidFill>
+            <a:schemeClr val="tx2"/>
+          </a:solidFill>
           <a:ln>
             <a:noFill/>
           </a:ln>
@@ -4043,21 +4181,13 @@
             <a:schemeClr val="lt1"/>
           </a:fontRef>
         </p:style>
-        <p:txBody>
-          <a:bodyPr rtlCol="0" anchor="ctr"/>
-          <a:lstStyle/>
-          <a:p>
-            <a:pPr algn="ctr"/>
-            <a:endParaRPr lang="en-US"/>
-          </a:p>
-        </p:txBody>
-      </p:sp>
-      <p:sp>
-        <p:nvSpPr>
-          <p:cNvPr id="6" name="Rectangle 9">
+      </p:sp>
+      <p:sp>
+        <p:nvSpPr>
+          <p:cNvPr id="21" name="Rectangle 20">
             <a:extLst>
               <a:ext uri="{FF2B5EF4-FFF2-40B4-BE49-F238E27FC236}">
-                <a16:creationId xmlns:a16="http://schemas.microsoft.com/office/drawing/2014/main" id="{0568FE6B-CB7A-42D9-9690-487E3B8F412C}"/>
+                <a16:creationId xmlns:a16="http://schemas.microsoft.com/office/drawing/2014/main" id="{A14902AA-4E7E-4D93-A756-AC2EF9AAF932}"/>
               </a:ext>
               <a:ext uri="{C183D7F6-B498-43B3-948B-1728B52AA6E4}">
                 <adec:decorative xmlns:adec="http://schemas.microsoft.com/office/drawing/2017/decorative" val="1"/>
@@ -4077,14 +4207,14 @@
         </p:nvSpPr>
         <p:spPr>
           <a:xfrm>
-            <a:off x="0" y="0"/>
-            <a:ext cx="7527851" cy="6858000"/>
+            <a:off x="2" y="376"/>
+            <a:ext cx="12191998" cy="6857624"/>
           </a:xfrm>
           <a:prstGeom prst="rect">
             <a:avLst/>
           </a:prstGeom>
           <a:solidFill>
-            <a:schemeClr val="tx2"/>
+            <a:schemeClr val="accent1"/>
           </a:solidFill>
           <a:ln>
             <a:noFill/>
@@ -4107,177 +4237,19 @@
           </a:fontRef>
         </p:style>
         <p:txBody>
-          <a:bodyPr rtlCol="0" anchor="ctr"/>
+          <a:bodyPr/>
           <a:lstStyle/>
           <a:p>
-            <a:pPr algn="ctr"/>
-            <a:endParaRPr lang="en-US"/>
-          </a:p>
-        </p:txBody>
-      </p:sp>
-      <p:sp>
-        <p:nvSpPr>
-          <p:cNvPr id="2" name="Titel 1">
+            <a:endParaRPr lang="en-US" dirty="0"/>
+          </a:p>
+        </p:txBody>
+      </p:sp>
+      <p:sp>
+        <p:nvSpPr>
+          <p:cNvPr id="23" name="Freeform 6">
             <a:extLst>
               <a:ext uri="{FF2B5EF4-FFF2-40B4-BE49-F238E27FC236}">
-                <a16:creationId xmlns:a16="http://schemas.microsoft.com/office/drawing/2014/main" id="{82F46373-ED09-4AC9-ADDC-298FD996CA91}"/>
-              </a:ext>
-            </a:extLst>
-          </p:cNvPr>
-          <p:cNvSpPr>
-            <a:spLocks noGrp="1"/>
-          </p:cNvSpPr>
-          <p:nvPr>
-            <p:ph type="ctrTitle"/>
-          </p:nvPr>
-        </p:nvSpPr>
-        <p:spPr>
-          <a:xfrm>
-            <a:off x="1196164" y="1188717"/>
-            <a:ext cx="5627717" cy="4480563"/>
-          </a:xfrm>
-        </p:spPr>
-        <p:txBody>
-          <a:bodyPr anchor="ctr">
-            <a:normAutofit/>
-          </a:bodyPr>
-          <a:lstStyle/>
-          <a:p>
-            <a:pPr algn="l"/>
-            <a:r>
-              <a:rPr lang="nl-NL" sz="6600" dirty="0">
-                <a:solidFill>
-                  <a:schemeClr val="bg2"/>
-                </a:solidFill>
-              </a:rPr>
-              <a:t>Project 3/4</a:t>
-            </a:r>
-          </a:p>
-        </p:txBody>
-      </p:sp>
-      <p:sp>
-        <p:nvSpPr>
-          <p:cNvPr id="3" name="Ondertitel 2">
-            <a:extLst>
-              <a:ext uri="{FF2B5EF4-FFF2-40B4-BE49-F238E27FC236}">
-                <a16:creationId xmlns:a16="http://schemas.microsoft.com/office/drawing/2014/main" id="{CCBAAD34-DCAF-4134-A4DE-7721BD58B61B}"/>
-              </a:ext>
-            </a:extLst>
-          </p:cNvPr>
-          <p:cNvSpPr>
-            <a:spLocks noGrp="1"/>
-          </p:cNvSpPr>
-          <p:nvPr>
-            <p:ph type="subTitle" idx="1"/>
-          </p:nvPr>
-        </p:nvSpPr>
-        <p:spPr>
-          <a:xfrm>
-            <a:off x="8724015" y="1188717"/>
-            <a:ext cx="2594343" cy="4480563"/>
-          </a:xfrm>
-        </p:spPr>
-        <p:txBody>
-          <a:bodyPr anchor="ctr">
-            <a:normAutofit/>
-          </a:bodyPr>
-          <a:lstStyle/>
-          <a:p>
-            <a:pPr algn="l"/>
-            <a:r>
-              <a:rPr lang="nl-NL" dirty="0"/>
-              <a:t>Door</a:t>
-            </a:r>
-          </a:p>
-          <a:p>
-            <a:pPr algn="l"/>
-            <a:r>
-              <a:rPr lang="nl-NL" dirty="0"/>
-              <a:t>Marjon </a:t>
-            </a:r>
-            <a:r>
-              <a:rPr lang="nl-NL" dirty="0" err="1"/>
-              <a:t>Buijing</a:t>
-            </a:r>
-            <a:endParaRPr lang="nl-NL" dirty="0"/>
-          </a:p>
-          <a:p>
-            <a:pPr algn="l"/>
-            <a:r>
-              <a:rPr lang="nl-NL" dirty="0"/>
-              <a:t>Jarno </a:t>
-            </a:r>
-            <a:r>
-              <a:rPr lang="nl-NL" dirty="0" err="1"/>
-              <a:t>Vuijk</a:t>
-            </a:r>
-            <a:endParaRPr lang="nl-NL" dirty="0"/>
-          </a:p>
-          <a:p>
-            <a:pPr algn="l"/>
-            <a:r>
-              <a:rPr lang="nl-NL" dirty="0"/>
-              <a:t>Sander </a:t>
-            </a:r>
-            <a:r>
-              <a:rPr lang="nl-NL" dirty="0" err="1"/>
-              <a:t>Vielvoije</a:t>
-            </a:r>
-            <a:endParaRPr lang="nl-NL" dirty="0"/>
-          </a:p>
-          <a:p>
-            <a:pPr algn="l"/>
-            <a:r>
-              <a:rPr lang="nl-NL" dirty="0"/>
-              <a:t>Ramon Burgstad</a:t>
-            </a:r>
-          </a:p>
-          <a:p>
-            <a:pPr algn="l"/>
-            <a:endParaRPr lang="nl-NL" dirty="0"/>
-          </a:p>
-          <a:p>
-            <a:pPr algn="l"/>
-            <a:endParaRPr lang="nl-NL" dirty="0"/>
-          </a:p>
-          <a:p>
-            <a:pPr algn="l"/>
-            <a:r>
-              <a:rPr lang="nl-NL" dirty="0"/>
-              <a:t>PO</a:t>
-            </a:r>
-          </a:p>
-          <a:p>
-            <a:pPr algn="l"/>
-            <a:r>
-              <a:rPr lang="nl-NL" dirty="0"/>
-              <a:t>Thomas van Iersel</a:t>
-            </a:r>
-          </a:p>
-          <a:p>
-            <a:pPr algn="l"/>
-            <a:r>
-              <a:rPr lang="nl-NL" dirty="0" err="1"/>
-              <a:t>Matej</a:t>
-            </a:r>
-            <a:r>
-              <a:rPr lang="nl-NL" dirty="0"/>
-              <a:t> </a:t>
-            </a:r>
-            <a:r>
-              <a:rPr lang="nl-NL" dirty="0" err="1"/>
-              <a:t>Skelo</a:t>
-            </a:r>
-            <a:endParaRPr lang="nl-NL" dirty="0"/>
-          </a:p>
-        </p:txBody>
-      </p:sp>
-      <p:sp>
-        <p:nvSpPr>
-          <p:cNvPr id="7" name="Freeform 6">
-            <a:extLst>
-              <a:ext uri="{FF2B5EF4-FFF2-40B4-BE49-F238E27FC236}">
-                <a16:creationId xmlns:a16="http://schemas.microsoft.com/office/drawing/2014/main" id="{2BCE8A39-72D0-46ED-AB46-91B68881D2C2}"/>
+                <a16:creationId xmlns:a16="http://schemas.microsoft.com/office/drawing/2014/main" id="{AE0AE5A0-0098-4DC4-82DC-CCE4071B655B}"/>
               </a:ext>
               <a:ext uri="{C183D7F6-B498-43B3-948B-1728B52AA6E4}">
                 <adec:decorative xmlns:adec="http://schemas.microsoft.com/office/drawing/2017/decorative" val="1"/>
@@ -4297,8 +4269,8 @@
         </p:nvSpPr>
         <p:spPr bwMode="auto">
           <a:xfrm flipH="1" flipV="1">
-            <a:off x="7983434" y="640080"/>
-            <a:ext cx="2296028" cy="3674981"/>
+            <a:off x="671285" y="626654"/>
+            <a:ext cx="3275668" cy="4408488"/>
           </a:xfrm>
           <a:custGeom>
             <a:avLst/>
@@ -4336,109 +4308,7 @@
             </a:pathLst>
           </a:custGeom>
           <a:solidFill>
-            <a:schemeClr val="tx2"/>
-          </a:solidFill>
-          <a:ln w="0">
-            <a:noFill/>
-            <a:prstDash val="solid"/>
-            <a:round/>
-            <a:headEnd/>
-            <a:tailEnd/>
-          </a:ln>
-        </p:spPr>
-      </p:sp>
-      <p:sp>
-        <p:nvSpPr>
-          <p:cNvPr id="14" name="Freeform: Shape 13">
-            <a:extLst>
-              <a:ext uri="{FF2B5EF4-FFF2-40B4-BE49-F238E27FC236}">
-                <a16:creationId xmlns:a16="http://schemas.microsoft.com/office/drawing/2014/main" id="{970E03B3-76EE-4C15-B250-1173359CDD3D}"/>
-              </a:ext>
-              <a:ext uri="{C183D7F6-B498-43B3-948B-1728B52AA6E4}">
-                <adec:decorative xmlns:adec="http://schemas.microsoft.com/office/drawing/2017/decorative" val="1"/>
-              </a:ext>
-            </a:extLst>
-          </p:cNvPr>
-          <p:cNvSpPr>
-            <a:spLocks noGrp="1" noRot="1" noChangeAspect="1" noMove="1" noResize="1" noEditPoints="1" noAdjustHandles="1" noChangeArrowheads="1" noChangeShapeType="1" noTextEdit="1"/>
-          </p:cNvSpPr>
-          <p:nvPr>
-            <p:extLst>
-              <p:ext uri="{386F3935-93C4-4BCD-93E2-E3B085C9AB24}">
-                <p16:designElem xmlns:p16="http://schemas.microsoft.com/office/powerpoint/2015/main" val="1"/>
-              </p:ext>
-            </p:extLst>
-          </p:nvPr>
-        </p:nvSpPr>
-        <p:spPr bwMode="auto">
-          <a:xfrm>
-            <a:off x="10147112" y="4501036"/>
-            <a:ext cx="1683805" cy="1723705"/>
-          </a:xfrm>
-          <a:custGeom>
-            <a:avLst/>
-            <a:gdLst>
-              <a:gd name="connsiteX0" fmla="*/ 1399384 w 1683805"/>
-              <a:gd name="connsiteY0" fmla="*/ 0 h 1723705"/>
-              <a:gd name="connsiteX1" fmla="*/ 1683805 w 1683805"/>
-              <a:gd name="connsiteY1" fmla="*/ 0 h 1723705"/>
-              <a:gd name="connsiteX2" fmla="*/ 1683805 w 1683805"/>
-              <a:gd name="connsiteY2" fmla="*/ 1723705 h 1723705"/>
-              <a:gd name="connsiteX3" fmla="*/ 0 w 1683805"/>
-              <a:gd name="connsiteY3" fmla="*/ 1723705 h 1723705"/>
-              <a:gd name="connsiteX4" fmla="*/ 0 w 1683805"/>
-              <a:gd name="connsiteY4" fmla="*/ 1402480 h 1723705"/>
-              <a:gd name="connsiteX5" fmla="*/ 1399384 w 1683805"/>
-              <a:gd name="connsiteY5" fmla="*/ 1403247 h 1723705"/>
-            </a:gdLst>
-            <a:ahLst/>
-            <a:cxnLst>
-              <a:cxn ang="0">
-                <a:pos x="connsiteX0" y="connsiteY0"/>
-              </a:cxn>
-              <a:cxn ang="0">
-                <a:pos x="connsiteX1" y="connsiteY1"/>
-              </a:cxn>
-              <a:cxn ang="0">
-                <a:pos x="connsiteX2" y="connsiteY2"/>
-              </a:cxn>
-              <a:cxn ang="0">
-                <a:pos x="connsiteX3" y="connsiteY3"/>
-              </a:cxn>
-              <a:cxn ang="0">
-                <a:pos x="connsiteX4" y="connsiteY4"/>
-              </a:cxn>
-              <a:cxn ang="0">
-                <a:pos x="connsiteX5" y="connsiteY5"/>
-              </a:cxn>
-            </a:cxnLst>
-            <a:rect l="l" t="t" r="r" b="b"/>
-            <a:pathLst>
-              <a:path w="1683805" h="1723705">
-                <a:moveTo>
-                  <a:pt x="1399384" y="0"/>
-                </a:moveTo>
-                <a:lnTo>
-                  <a:pt x="1683805" y="0"/>
-                </a:lnTo>
-                <a:lnTo>
-                  <a:pt x="1683805" y="1723705"/>
-                </a:lnTo>
-                <a:lnTo>
-                  <a:pt x="0" y="1723705"/>
-                </a:lnTo>
-                <a:lnTo>
-                  <a:pt x="0" y="1402480"/>
-                </a:lnTo>
-                <a:lnTo>
-                  <a:pt x="1399384" y="1403247"/>
-                </a:lnTo>
-                <a:close/>
-              </a:path>
-            </a:pathLst>
-          </a:custGeom>
-          <a:solidFill>
-            <a:schemeClr val="tx2">
+            <a:schemeClr val="accent1">
               <a:lumMod val="75000"/>
             </a:schemeClr>
           </a:solidFill>
@@ -4450,6 +4320,265 @@
             <a:tailEnd/>
           </a:ln>
         </p:spPr>
+      </p:sp>
+      <p:sp useBgFill="1">
+        <p:nvSpPr>
+          <p:cNvPr id="25" name="Rectangle 24">
+            <a:extLst>
+              <a:ext uri="{FF2B5EF4-FFF2-40B4-BE49-F238E27FC236}">
+                <a16:creationId xmlns:a16="http://schemas.microsoft.com/office/drawing/2014/main" id="{B6D28670-6E3D-4F4B-AD22-EFA33BF3CA29}"/>
+              </a:ext>
+              <a:ext uri="{C183D7F6-B498-43B3-948B-1728B52AA6E4}">
+                <adec:decorative xmlns:adec="http://schemas.microsoft.com/office/drawing/2017/decorative" val="1"/>
+              </a:ext>
+            </a:extLst>
+          </p:cNvPr>
+          <p:cNvSpPr>
+            <a:spLocks noGrp="1" noRot="1" noChangeAspect="1" noMove="1" noResize="1" noEditPoints="1" noAdjustHandles="1" noChangeArrowheads="1" noChangeShapeType="1" noTextEdit="1"/>
+          </p:cNvSpPr>
+          <p:nvPr>
+            <p:extLst>
+              <p:ext uri="{386F3935-93C4-4BCD-93E2-E3B085C9AB24}">
+                <p16:designElem xmlns:p16="http://schemas.microsoft.com/office/powerpoint/2015/main" val="1"/>
+              </p:ext>
+            </p:extLst>
+          </p:nvPr>
+        </p:nvSpPr>
+        <p:spPr>
+          <a:xfrm>
+            <a:off x="1076632" y="1010265"/>
+            <a:ext cx="11115368" cy="5847734"/>
+          </a:xfrm>
+          <a:prstGeom prst="rect">
+            <a:avLst/>
+          </a:prstGeom>
+          <a:ln>
+            <a:noFill/>
+          </a:ln>
+        </p:spPr>
+        <p:style>
+          <a:lnRef idx="2">
+            <a:schemeClr val="accent1">
+              <a:shade val="50000"/>
+            </a:schemeClr>
+          </a:lnRef>
+          <a:fillRef idx="1001">
+            <a:schemeClr val="lt2"/>
+          </a:fillRef>
+          <a:effectRef idx="0">
+            <a:schemeClr val="accent1"/>
+          </a:effectRef>
+          <a:fontRef idx="minor">
+            <a:schemeClr val="lt1"/>
+          </a:fontRef>
+        </p:style>
+        <p:txBody>
+          <a:bodyPr rtlCol="0" anchor="ctr"/>
+          <a:lstStyle/>
+          <a:p>
+            <a:pPr algn="ctr"/>
+            <a:endParaRPr lang="en-US"/>
+          </a:p>
+        </p:txBody>
+      </p:sp>
+      <p:sp>
+        <p:nvSpPr>
+          <p:cNvPr id="2" name="Titel 1">
+            <a:extLst>
+              <a:ext uri="{FF2B5EF4-FFF2-40B4-BE49-F238E27FC236}">
+                <a16:creationId xmlns:a16="http://schemas.microsoft.com/office/drawing/2014/main" id="{82F46373-ED09-4AC9-ADDC-298FD996CA91}"/>
+              </a:ext>
+            </a:extLst>
+          </p:cNvPr>
+          <p:cNvSpPr>
+            <a:spLocks noGrp="1"/>
+          </p:cNvSpPr>
+          <p:nvPr>
+            <p:ph type="ctrTitle"/>
+          </p:nvPr>
+        </p:nvSpPr>
+        <p:spPr>
+          <a:xfrm>
+            <a:off x="1371600" y="1281916"/>
+            <a:ext cx="9601200" cy="1485900"/>
+          </a:xfrm>
+        </p:spPr>
+        <p:txBody>
+          <a:bodyPr vert="horz" lIns="91440" tIns="45720" rIns="91440" bIns="45720" rtlCol="0" anchor="t">
+            <a:normAutofit/>
+          </a:bodyPr>
+          <a:lstStyle/>
+          <a:p>
+            <a:pPr algn="l"/>
+            <a:r>
+              <a:rPr lang="en-US" sz="4400"/>
+              <a:t>Project 3/4</a:t>
+            </a:r>
+          </a:p>
+        </p:txBody>
+      </p:sp>
+      <p:sp>
+        <p:nvSpPr>
+          <p:cNvPr id="3" name="Ondertitel 2">
+            <a:extLst>
+              <a:ext uri="{FF2B5EF4-FFF2-40B4-BE49-F238E27FC236}">
+                <a16:creationId xmlns:a16="http://schemas.microsoft.com/office/drawing/2014/main" id="{CCBAAD34-DCAF-4134-A4DE-7721BD58B61B}"/>
+              </a:ext>
+            </a:extLst>
+          </p:cNvPr>
+          <p:cNvSpPr>
+            <a:spLocks noGrp="1"/>
+          </p:cNvSpPr>
+          <p:nvPr>
+            <p:ph type="subTitle" idx="1"/>
+          </p:nvPr>
+        </p:nvSpPr>
+        <p:spPr>
+          <a:xfrm>
+            <a:off x="1371600" y="2920620"/>
+            <a:ext cx="9601200" cy="2946779"/>
+          </a:xfrm>
+        </p:spPr>
+        <p:txBody>
+          <a:bodyPr vert="horz" lIns="91440" tIns="45720" rIns="91440" bIns="45720" rtlCol="0">
+            <a:normAutofit/>
+          </a:bodyPr>
+          <a:lstStyle/>
+          <a:p>
+            <a:pPr indent="-384048" algn="l">
+              <a:lnSpc>
+                <a:spcPct val="94000"/>
+              </a:lnSpc>
+              <a:spcAft>
+                <a:spcPts val="200"/>
+              </a:spcAft>
+            </a:pPr>
+            <a:r>
+              <a:rPr lang="en-US" sz="1800"/>
+              <a:t>Door</a:t>
+            </a:r>
+          </a:p>
+          <a:p>
+            <a:pPr indent="-384048" algn="l">
+              <a:lnSpc>
+                <a:spcPct val="94000"/>
+              </a:lnSpc>
+              <a:spcAft>
+                <a:spcPts val="200"/>
+              </a:spcAft>
+            </a:pPr>
+            <a:r>
+              <a:rPr lang="en-US" sz="1800"/>
+              <a:t>Marjon Buijing</a:t>
+            </a:r>
+          </a:p>
+          <a:p>
+            <a:pPr indent="-384048" algn="l">
+              <a:lnSpc>
+                <a:spcPct val="94000"/>
+              </a:lnSpc>
+              <a:spcAft>
+                <a:spcPts val="200"/>
+              </a:spcAft>
+            </a:pPr>
+            <a:r>
+              <a:rPr lang="en-US" sz="1800"/>
+              <a:t>Jarno Vuijk</a:t>
+            </a:r>
+          </a:p>
+          <a:p>
+            <a:pPr indent="-384048" algn="l">
+              <a:lnSpc>
+                <a:spcPct val="94000"/>
+              </a:lnSpc>
+              <a:spcAft>
+                <a:spcPts val="200"/>
+              </a:spcAft>
+            </a:pPr>
+            <a:r>
+              <a:rPr lang="en-US" sz="1800"/>
+              <a:t>Sander Vielvoije</a:t>
+            </a:r>
+          </a:p>
+          <a:p>
+            <a:pPr indent="-384048" algn="l">
+              <a:lnSpc>
+                <a:spcPct val="94000"/>
+              </a:lnSpc>
+              <a:spcAft>
+                <a:spcPts val="200"/>
+              </a:spcAft>
+            </a:pPr>
+            <a:r>
+              <a:rPr lang="en-US" sz="1800"/>
+              <a:t>Ramon Burgstad</a:t>
+            </a:r>
+          </a:p>
+          <a:p>
+            <a:pPr indent="-384048" algn="l">
+              <a:lnSpc>
+                <a:spcPct val="94000"/>
+              </a:lnSpc>
+              <a:spcAft>
+                <a:spcPts val="200"/>
+              </a:spcAft>
+            </a:pPr>
+            <a:endParaRPr lang="en-US" sz="1800"/>
+          </a:p>
+          <a:p>
+            <a:pPr indent="-384048" algn="l">
+              <a:lnSpc>
+                <a:spcPct val="94000"/>
+              </a:lnSpc>
+              <a:spcAft>
+                <a:spcPts val="200"/>
+              </a:spcAft>
+            </a:pPr>
+            <a:endParaRPr lang="en-US" sz="1800"/>
+          </a:p>
+          <a:p>
+            <a:pPr indent="-384048" algn="l">
+              <a:lnSpc>
+                <a:spcPct val="94000"/>
+              </a:lnSpc>
+              <a:spcAft>
+                <a:spcPts val="200"/>
+              </a:spcAft>
+            </a:pPr>
+            <a:r>
+              <a:rPr lang="en-US" sz="1800"/>
+              <a:t>PO</a:t>
+            </a:r>
+          </a:p>
+          <a:p>
+            <a:pPr indent="-384048" algn="l">
+              <a:lnSpc>
+                <a:spcPct val="94000"/>
+              </a:lnSpc>
+              <a:spcAft>
+                <a:spcPts val="200"/>
+              </a:spcAft>
+            </a:pPr>
+            <a:r>
+              <a:rPr lang="en-US" sz="1800"/>
+              <a:t>Thomas van Iersel</a:t>
+            </a:r>
+          </a:p>
+          <a:p>
+            <a:pPr indent="-384048" algn="l">
+              <a:lnSpc>
+                <a:spcPct val="94000"/>
+              </a:lnSpc>
+              <a:spcAft>
+                <a:spcPts val="200"/>
+              </a:spcAft>
+            </a:pPr>
+            <a:r>
+              <a:rPr lang="en-US" sz="1800"/>
+              <a:t>Matej Skelo</a:t>
+            </a:r>
+          </a:p>
+        </p:txBody>
       </p:sp>
     </p:spTree>
     <p:extLst>
@@ -4470,7 +4599,7 @@
     <p:bg>
       <p:bgPr>
         <a:solidFill>
-          <a:schemeClr val="bg2"/>
+          <a:schemeClr val="bg1"/>
         </a:solidFill>
         <a:effectLst/>
       </p:bgPr>
@@ -4491,10 +4620,10 @@
       </p:grpSpPr>
       <p:sp useBgFill="1">
         <p:nvSpPr>
-          <p:cNvPr id="8" name="Rectangle 7">
+          <p:cNvPr id="71" name="Rectangle 70">
             <a:extLst>
               <a:ext uri="{FF2B5EF4-FFF2-40B4-BE49-F238E27FC236}">
-                <a16:creationId xmlns:a16="http://schemas.microsoft.com/office/drawing/2014/main" id="{32812C54-7AEF-4ABB-826E-221F51CB0F30}"/>
+                <a16:creationId xmlns:a16="http://schemas.microsoft.com/office/drawing/2014/main" id="{F8B556C4-7E49-4C36-845D-FC58F507345E}"/>
               </a:ext>
               <a:ext uri="{C183D7F6-B498-43B3-948B-1728B52AA6E4}">
                 <adec:decorative xmlns:adec="http://schemas.microsoft.com/office/drawing/2017/decorative" val="1"/>
@@ -4549,6 +4678,52 @@
           </a:p>
         </p:txBody>
       </p:sp>
+      <p:pic>
+        <p:nvPicPr>
+          <p:cNvPr id="1026" name="Picture 2" descr="Bank PNG">
+            <a:extLst>
+              <a:ext uri="{FF2B5EF4-FFF2-40B4-BE49-F238E27FC236}">
+                <a16:creationId xmlns:a16="http://schemas.microsoft.com/office/drawing/2014/main" id="{8C92FD71-A610-48A5-AF28-FE9CE0B505DD}"/>
+              </a:ext>
+            </a:extLst>
+          </p:cNvPr>
+          <p:cNvPicPr>
+            <a:picLocks noChangeAspect="1" noChangeArrowheads="1"/>
+          </p:cNvPicPr>
+          <p:nvPr/>
+        </p:nvPicPr>
+        <p:blipFill rotWithShape="1">
+          <a:blip r:embed="rId2">
+            <a:alphaModFix amt="35000"/>
+            <a:extLst>
+              <a:ext uri="{28A0092B-C50C-407E-A947-70E740481C1C}">
+                <a14:useLocalDpi xmlns:a14="http://schemas.microsoft.com/office/drawing/2010/main" val="0"/>
+              </a:ext>
+            </a:extLst>
+          </a:blip>
+          <a:srcRect t="10891" b="4840"/>
+          <a:stretch/>
+        </p:blipFill>
+        <p:spPr bwMode="auto">
+          <a:xfrm>
+            <a:off x="-1" y="10"/>
+            <a:ext cx="12192001" cy="6857990"/>
+          </a:xfrm>
+          <a:prstGeom prst="rect">
+            <a:avLst/>
+          </a:prstGeom>
+          <a:noFill/>
+          <a:extLst>
+            <a:ext uri="{909E8E84-426E-40DD-AFC4-6F175D3DCCD1}">
+              <a14:hiddenFill xmlns:a14="http://schemas.microsoft.com/office/drawing/2010/main">
+                <a:solidFill>
+                  <a:srgbClr val="FFFFFF"/>
+                </a:solidFill>
+              </a14:hiddenFill>
+            </a:ext>
+          </a:extLst>
+        </p:spPr>
+      </p:pic>
       <p:sp>
         <p:nvSpPr>
           <p:cNvPr id="2" name="Titel 1">
@@ -4567,8 +4742,8 @@
         </p:nvSpPr>
         <p:spPr>
           <a:xfrm>
-            <a:off x="3363864" y="685800"/>
-            <a:ext cx="7705164" cy="1485900"/>
+            <a:off x="1371600" y="685800"/>
+            <a:ext cx="9601200" cy="1485900"/>
           </a:xfrm>
         </p:spPr>
         <p:txBody>
@@ -4583,116 +4758,6 @@
             </a:r>
           </a:p>
         </p:txBody>
-      </p:sp>
-      <p:sp>
-        <p:nvSpPr>
-          <p:cNvPr id="26" name="Rectangle 9">
-            <a:extLst>
-              <a:ext uri="{FF2B5EF4-FFF2-40B4-BE49-F238E27FC236}">
-                <a16:creationId xmlns:a16="http://schemas.microsoft.com/office/drawing/2014/main" id="{891F40E4-8A76-44CF-91EC-907367352626}"/>
-              </a:ext>
-              <a:ext uri="{C183D7F6-B498-43B3-948B-1728B52AA6E4}">
-                <adec:decorative xmlns:adec="http://schemas.microsoft.com/office/drawing/2017/decorative" val="1"/>
-              </a:ext>
-            </a:extLst>
-          </p:cNvPr>
-          <p:cNvSpPr>
-            <a:spLocks noGrp="1" noRot="1" noChangeAspect="1" noMove="1" noResize="1" noEditPoints="1" noAdjustHandles="1" noChangeArrowheads="1" noChangeShapeType="1" noTextEdit="1"/>
-          </p:cNvSpPr>
-          <p:nvPr>
-            <p:extLst>
-              <p:ext uri="{386F3935-93C4-4BCD-93E2-E3B085C9AB24}">
-                <p16:designElem xmlns:p16="http://schemas.microsoft.com/office/powerpoint/2015/main" val="1"/>
-              </p:ext>
-            </p:extLst>
-          </p:nvPr>
-        </p:nvSpPr>
-        <p:spPr>
-          <a:xfrm>
-            <a:off x="1" y="376"/>
-            <a:ext cx="3044410" cy="6857624"/>
-          </a:xfrm>
-          <a:prstGeom prst="rect">
-            <a:avLst/>
-          </a:prstGeom>
-          <a:solidFill>
-            <a:schemeClr val="accent1"/>
-          </a:solidFill>
-          <a:ln>
-            <a:noFill/>
-          </a:ln>
-        </p:spPr>
-        <p:style>
-          <a:lnRef idx="2">
-            <a:schemeClr val="accent1">
-              <a:shade val="50000"/>
-            </a:schemeClr>
-          </a:lnRef>
-          <a:fillRef idx="1">
-            <a:schemeClr val="accent1"/>
-          </a:fillRef>
-          <a:effectRef idx="0">
-            <a:schemeClr val="accent1"/>
-          </a:effectRef>
-          <a:fontRef idx="minor">
-            <a:schemeClr val="lt1"/>
-          </a:fontRef>
-        </p:style>
-      </p:sp>
-      <p:sp>
-        <p:nvSpPr>
-          <p:cNvPr id="12" name="Rectangle 11">
-            <a:extLst>
-              <a:ext uri="{FF2B5EF4-FFF2-40B4-BE49-F238E27FC236}">
-                <a16:creationId xmlns:a16="http://schemas.microsoft.com/office/drawing/2014/main" id="{72171013-D973-4187-9CF2-EE098EEF8194}"/>
-              </a:ext>
-              <a:ext uri="{C183D7F6-B498-43B3-948B-1728B52AA6E4}">
-                <adec:decorative xmlns:adec="http://schemas.microsoft.com/office/drawing/2017/decorative" val="1"/>
-              </a:ext>
-            </a:extLst>
-          </p:cNvPr>
-          <p:cNvSpPr>
-            <a:spLocks noGrp="1" noRot="1" noChangeAspect="1" noMove="1" noResize="1" noEditPoints="1" noAdjustHandles="1" noChangeArrowheads="1" noChangeShapeType="1" noTextEdit="1"/>
-          </p:cNvSpPr>
-          <p:nvPr>
-            <p:extLst>
-              <p:ext uri="{386F3935-93C4-4BCD-93E2-E3B085C9AB24}">
-                <p16:designElem xmlns:p16="http://schemas.microsoft.com/office/powerpoint/2015/main" val="1"/>
-              </p:ext>
-            </p:extLst>
-          </p:nvPr>
-        </p:nvSpPr>
-        <p:spPr>
-          <a:xfrm>
-            <a:off x="2815810" y="376"/>
-            <a:ext cx="228600" cy="6858000"/>
-          </a:xfrm>
-          <a:prstGeom prst="rect">
-            <a:avLst/>
-          </a:prstGeom>
-          <a:solidFill>
-            <a:schemeClr val="tx2"/>
-          </a:solidFill>
-          <a:ln>
-            <a:noFill/>
-          </a:ln>
-        </p:spPr>
-        <p:style>
-          <a:lnRef idx="2">
-            <a:schemeClr val="accent1">
-              <a:shade val="50000"/>
-            </a:schemeClr>
-          </a:lnRef>
-          <a:fillRef idx="1">
-            <a:schemeClr val="accent1"/>
-          </a:fillRef>
-          <a:effectRef idx="0">
-            <a:schemeClr val="accent1"/>
-          </a:effectRef>
-          <a:fontRef idx="minor">
-            <a:schemeClr val="lt1"/>
-          </a:fontRef>
-        </p:style>
       </p:sp>
       <p:sp>
         <p:nvSpPr>
@@ -4712,8 +4777,8 @@
         </p:nvSpPr>
         <p:spPr>
           <a:xfrm>
-            <a:off x="3363864" y="2286000"/>
-            <a:ext cx="7705164" cy="3581400"/>
+            <a:off x="1371600" y="2286000"/>
+            <a:ext cx="9601200" cy="3581400"/>
           </a:xfrm>
         </p:spPr>
         <p:txBody>
@@ -4758,7 +4823,7 @@
     </p:extLst>
   </p:cSld>
   <p:clrMapOvr>
-    <a:masterClrMapping/>
+    <a:overrideClrMapping bg1="dk1" tx1="lt1" bg2="dk2" tx2="lt2" accent1="accent1" accent2="accent2" accent3="accent3" accent4="accent4" accent5="accent5" accent6="accent6" hlink="hlink" folHlink="folHlink"/>
   </p:clrMapOvr>
   <p:transition spd="slow">
     <p:push dir="u"/>

--- a/Powerpoint1.pptx
+++ b/Powerpoint1.pptx
@@ -619,7 +619,7 @@
           <a:p>
             <a:fld id="{28075D82-FB97-466C-A753-8CC0D2178923}" type="slidenum">
               <a:rPr lang="nl-NL" smtClean="0"/>
-              <a:t>‹nr.›</a:t>
+              <a:t>‹#›</a:t>
             </a:fld>
             <a:endParaRPr lang="nl-NL"/>
           </a:p>
@@ -923,7 +923,7 @@
           <a:p>
             <a:fld id="{28075D82-FB97-466C-A753-8CC0D2178923}" type="slidenum">
               <a:rPr lang="nl-NL" smtClean="0"/>
-              <a:t>‹nr.›</a:t>
+              <a:t>‹#›</a:t>
             </a:fld>
             <a:endParaRPr lang="nl-NL"/>
           </a:p>
@@ -1103,7 +1103,7 @@
           <a:p>
             <a:fld id="{28075D82-FB97-466C-A753-8CC0D2178923}" type="slidenum">
               <a:rPr lang="nl-NL" smtClean="0"/>
-              <a:t>‹nr.›</a:t>
+              <a:t>‹#›</a:t>
             </a:fld>
             <a:endParaRPr lang="nl-NL"/>
           </a:p>
@@ -1273,7 +1273,7 @@
           <a:p>
             <a:fld id="{28075D82-FB97-466C-A753-8CC0D2178923}" type="slidenum">
               <a:rPr lang="nl-NL" smtClean="0"/>
-              <a:t>‹nr.›</a:t>
+              <a:t>‹#›</a:t>
             </a:fld>
             <a:endParaRPr lang="nl-NL"/>
           </a:p>
@@ -1576,7 +1576,7 @@
           <a:p>
             <a:fld id="{28075D82-FB97-466C-A753-8CC0D2178923}" type="slidenum">
               <a:rPr lang="nl-NL" smtClean="0"/>
-              <a:t>‹nr.›</a:t>
+              <a:t>‹#›</a:t>
             </a:fld>
             <a:endParaRPr lang="nl-NL"/>
           </a:p>
@@ -1944,7 +1944,7 @@
           <a:p>
             <a:fld id="{28075D82-FB97-466C-A753-8CC0D2178923}" type="slidenum">
               <a:rPr lang="nl-NL" smtClean="0"/>
-              <a:t>‹nr.›</a:t>
+              <a:t>‹#›</a:t>
             </a:fld>
             <a:endParaRPr lang="nl-NL"/>
           </a:p>
@@ -2421,7 +2421,7 @@
           <a:p>
             <a:fld id="{28075D82-FB97-466C-A753-8CC0D2178923}" type="slidenum">
               <a:rPr lang="nl-NL" smtClean="0"/>
-              <a:t>‹nr.›</a:t>
+              <a:t>‹#›</a:t>
             </a:fld>
             <a:endParaRPr lang="nl-NL"/>
           </a:p>
@@ -2539,7 +2539,7 @@
           <a:p>
             <a:fld id="{28075D82-FB97-466C-A753-8CC0D2178923}" type="slidenum">
               <a:rPr lang="nl-NL" smtClean="0"/>
-              <a:t>‹nr.›</a:t>
+              <a:t>‹#›</a:t>
             </a:fld>
             <a:endParaRPr lang="nl-NL"/>
           </a:p>
@@ -2634,7 +2634,7 @@
           <a:p>
             <a:fld id="{28075D82-FB97-466C-A753-8CC0D2178923}" type="slidenum">
               <a:rPr lang="nl-NL" smtClean="0"/>
-              <a:t>‹nr.›</a:t>
+              <a:t>‹#›</a:t>
             </a:fld>
             <a:endParaRPr lang="nl-NL"/>
           </a:p>
@@ -3006,7 +3006,7 @@
           <a:p>
             <a:fld id="{28075D82-FB97-466C-A753-8CC0D2178923}" type="slidenum">
               <a:rPr lang="nl-NL" smtClean="0"/>
-              <a:t>‹nr.›</a:t>
+              <a:t>‹#›</a:t>
             </a:fld>
             <a:endParaRPr lang="nl-NL"/>
           </a:p>
@@ -3394,7 +3394,7 @@
           <a:p>
             <a:fld id="{28075D82-FB97-466C-A753-8CC0D2178923}" type="slidenum">
               <a:rPr lang="nl-NL" smtClean="0"/>
-              <a:t>‹nr.›</a:t>
+              <a:t>‹#›</a:t>
             </a:fld>
             <a:endParaRPr lang="nl-NL"/>
           </a:p>
@@ -3678,7 +3678,7 @@
           <a:p>
             <a:fld id="{28075D82-FB97-466C-A753-8CC0D2178923}" type="slidenum">
               <a:rPr lang="nl-NL" smtClean="0"/>
-              <a:t>‹nr.›</a:t>
+              <a:t>‹#›</a:t>
             </a:fld>
             <a:endParaRPr lang="nl-NL"/>
           </a:p>
